--- a/151009ベクトルタイル利用サイトを作ろうPt.0.pptx
+++ b/151009ベクトルタイル利用サイトを作ろうPt.0.pptx
@@ -5246,15 +5246,7 @@
                 <a:ea typeface="ＭＳ Ｐゴシック" charset="0"/>
                 <a:cs typeface="ＭＳ Ｐゴシック" charset="0"/>
               </a:rPr>
-              <a:t>資料</a:t>
-            </a:r>
-            <a:r>
-              <a:rPr lang="ja-JP" altLang="en-US" sz="2400" dirty="0" smtClean="0">
-                <a:latin typeface="Arial" charset="0"/>
-                <a:ea typeface="ＭＳ Ｐゴシック" charset="0"/>
-                <a:cs typeface="ＭＳ Ｐゴシック" charset="0"/>
-              </a:rPr>
-              <a:t>の配布場所</a:t>
+              <a:t>資料の配布場所</a:t>
             </a:r>
             <a:r>
               <a:rPr lang="ja-JP" altLang="ja-JP" sz="2400" dirty="0">
@@ -5294,9 +5286,23 @@
                 <a:ea typeface="ＭＳ Ｐゴシック" charset="0"/>
                 <a:cs typeface="ＭＳ Ｐゴシック" charset="0"/>
               </a:rPr>
-              <a:t>/foss4g-tokyo-vt/slides</a:t>
+              <a:t>/</a:t>
+            </a:r>
+            <a:r>
+              <a:rPr lang="en-US" altLang="ja-JP" sz="2400" dirty="0">
+                <a:solidFill>
+                  <a:srgbClr val="FF0000"/>
+                </a:solidFill>
+                <a:latin typeface="Arial" charset="0"/>
+                <a:ea typeface="ＭＳ Ｐゴシック" charset="0"/>
+                <a:cs typeface="ＭＳ Ｐゴシック" charset="0"/>
+              </a:rPr>
+              <a:t>foss4g-tokyo-vt/slides</a:t>
             </a:r>
             <a:endParaRPr lang="en-US" altLang="ja-JP" sz="2400" dirty="0" smtClean="0">
+              <a:solidFill>
+                <a:srgbClr val="FF0000"/>
+              </a:solidFill>
               <a:latin typeface="Arial" charset="0"/>
               <a:ea typeface="ＭＳ Ｐゴシック" charset="0"/>
               <a:cs typeface="ＭＳ Ｐゴシック" charset="0"/>
@@ -5645,6 +5651,76 @@
           </a:prstGeom>
         </p:spPr>
       </p:pic>
+      <p:sp>
+        <p:nvSpPr>
+          <p:cNvPr id="4" name="テキスト ボックス 3"/>
+          <p:cNvSpPr txBox="1"/>
+          <p:nvPr/>
+        </p:nvSpPr>
+        <p:spPr>
+          <a:xfrm>
+            <a:off x="971600" y="5445224"/>
+            <a:ext cx="7416213" cy="461665"/>
+          </a:xfrm>
+          <a:prstGeom prst="rect">
+            <a:avLst/>
+          </a:prstGeom>
+          <a:noFill/>
+        </p:spPr>
+        <p:txBody>
+          <a:bodyPr wrap="none" rtlCol="0">
+            <a:spAutoFit/>
+          </a:bodyPr>
+          <a:lstStyle/>
+          <a:p>
+            <a:r>
+              <a:rPr lang="ja-JP" altLang="en-US" sz="2400" dirty="0" smtClean="0"/>
+              <a:t>スライドショー形式で</a:t>
+            </a:r>
+            <a:r>
+              <a:rPr lang="en-US" altLang="ja-JP" sz="2400" dirty="0" smtClean="0"/>
+              <a:t> </a:t>
+            </a:r>
+            <a:r>
+              <a:rPr lang="en-US" altLang="ja-JP" sz="2400" dirty="0" smtClean="0"/>
+              <a:t>https</a:t>
+            </a:r>
+            <a:r>
+              <a:rPr lang="en-US" altLang="ja-JP" sz="2400" dirty="0"/>
+              <a:t>://</a:t>
+            </a:r>
+            <a:r>
+              <a:rPr lang="en-US" altLang="ja-JP" sz="2400" dirty="0">
+                <a:solidFill>
+                  <a:srgbClr val="FF0000"/>
+                </a:solidFill>
+              </a:rPr>
+              <a:t>speakerdeck.com/</a:t>
+            </a:r>
+            <a:r>
+              <a:rPr lang="en-US" altLang="ja-JP" sz="2400" dirty="0" smtClean="0">
+                <a:solidFill>
+                  <a:srgbClr val="FF0000"/>
+                </a:solidFill>
+              </a:rPr>
+              <a:t>hfu</a:t>
+            </a:r>
+            <a:r>
+              <a:rPr lang="en-US" altLang="ja-JP" sz="2400" dirty="0" smtClean="0">
+                <a:solidFill>
+                  <a:srgbClr val="FF0000"/>
+                </a:solidFill>
+              </a:rPr>
+              <a:t> </a:t>
+            </a:r>
+            <a:r>
+              <a:rPr lang="ja-JP" altLang="en-US" sz="2400" dirty="0" smtClean="0"/>
+              <a:t>にも</a:t>
+            </a:r>
+            <a:endParaRPr kumimoji="1" lang="ja-JP" altLang="en-US" sz="2400" dirty="0"/>
+          </a:p>
+        </p:txBody>
+      </p:sp>
     </p:spTree>
   </p:cSld>
   <p:clrMapOvr>
